--- a/credify/Credify scoring software.pptx
+++ b/credify/Credify scoring software.pptx
@@ -112,6 +112,11 @@
       </a:defRPr>
     </a:lvl9pPr>
   </p:defaultTextStyle>
+  <p:extLst>
+    <p:ext uri="{EFAFB233-063F-42B5-8137-9DF3F51BA10A}">
+      <p15:sldGuideLst xmlns:p15="http://schemas.microsoft.com/office/powerpoint/2012/main"/>
+    </p:ext>
+  </p:extLst>
 </p:presentation>
 </file>
 
@@ -262,7 +267,7 @@
           <a:p>
             <a:fld id="{03ED8F85-5BA2-4A5C-8FCF-775D2520EDF9}" type="datetimeFigureOut">
               <a:rPr lang="en-US" smtClean="0"/>
-              <a:t>5/6/2024</a:t>
+              <a:t>5/7/2024</a:t>
             </a:fld>
             <a:endParaRPr lang="en-US"/>
           </a:p>
@@ -460,7 +465,7 @@
           <a:p>
             <a:fld id="{03ED8F85-5BA2-4A5C-8FCF-775D2520EDF9}" type="datetimeFigureOut">
               <a:rPr lang="en-US" smtClean="0"/>
-              <a:t>5/6/2024</a:t>
+              <a:t>5/7/2024</a:t>
             </a:fld>
             <a:endParaRPr lang="en-US"/>
           </a:p>
@@ -668,7 +673,7 @@
           <a:p>
             <a:fld id="{03ED8F85-5BA2-4A5C-8FCF-775D2520EDF9}" type="datetimeFigureOut">
               <a:rPr lang="en-US" smtClean="0"/>
-              <a:t>5/6/2024</a:t>
+              <a:t>5/7/2024</a:t>
             </a:fld>
             <a:endParaRPr lang="en-US"/>
           </a:p>
@@ -866,7 +871,7 @@
           <a:p>
             <a:fld id="{03ED8F85-5BA2-4A5C-8FCF-775D2520EDF9}" type="datetimeFigureOut">
               <a:rPr lang="en-US" smtClean="0"/>
-              <a:t>5/6/2024</a:t>
+              <a:t>5/7/2024</a:t>
             </a:fld>
             <a:endParaRPr lang="en-US"/>
           </a:p>
@@ -1141,7 +1146,7 @@
           <a:p>
             <a:fld id="{03ED8F85-5BA2-4A5C-8FCF-775D2520EDF9}" type="datetimeFigureOut">
               <a:rPr lang="en-US" smtClean="0"/>
-              <a:t>5/6/2024</a:t>
+              <a:t>5/7/2024</a:t>
             </a:fld>
             <a:endParaRPr lang="en-US"/>
           </a:p>
@@ -1406,7 +1411,7 @@
           <a:p>
             <a:fld id="{03ED8F85-5BA2-4A5C-8FCF-775D2520EDF9}" type="datetimeFigureOut">
               <a:rPr lang="en-US" smtClean="0"/>
-              <a:t>5/6/2024</a:t>
+              <a:t>5/7/2024</a:t>
             </a:fld>
             <a:endParaRPr lang="en-US"/>
           </a:p>
@@ -1818,7 +1823,7 @@
           <a:p>
             <a:fld id="{03ED8F85-5BA2-4A5C-8FCF-775D2520EDF9}" type="datetimeFigureOut">
               <a:rPr lang="en-US" smtClean="0"/>
-              <a:t>5/6/2024</a:t>
+              <a:t>5/7/2024</a:t>
             </a:fld>
             <a:endParaRPr lang="en-US"/>
           </a:p>
@@ -1959,7 +1964,7 @@
           <a:p>
             <a:fld id="{03ED8F85-5BA2-4A5C-8FCF-775D2520EDF9}" type="datetimeFigureOut">
               <a:rPr lang="en-US" smtClean="0"/>
-              <a:t>5/6/2024</a:t>
+              <a:t>5/7/2024</a:t>
             </a:fld>
             <a:endParaRPr lang="en-US"/>
           </a:p>
@@ -2072,7 +2077,7 @@
           <a:p>
             <a:fld id="{03ED8F85-5BA2-4A5C-8FCF-775D2520EDF9}" type="datetimeFigureOut">
               <a:rPr lang="en-US" smtClean="0"/>
-              <a:t>5/6/2024</a:t>
+              <a:t>5/7/2024</a:t>
             </a:fld>
             <a:endParaRPr lang="en-US"/>
           </a:p>
@@ -2383,7 +2388,7 @@
           <a:p>
             <a:fld id="{03ED8F85-5BA2-4A5C-8FCF-775D2520EDF9}" type="datetimeFigureOut">
               <a:rPr lang="en-US" smtClean="0"/>
-              <a:t>5/6/2024</a:t>
+              <a:t>5/7/2024</a:t>
             </a:fld>
             <a:endParaRPr lang="en-US"/>
           </a:p>
@@ -2671,7 +2676,7 @@
           <a:p>
             <a:fld id="{03ED8F85-5BA2-4A5C-8FCF-775D2520EDF9}" type="datetimeFigureOut">
               <a:rPr lang="en-US" smtClean="0"/>
-              <a:t>5/6/2024</a:t>
+              <a:t>5/7/2024</a:t>
             </a:fld>
             <a:endParaRPr lang="en-US"/>
           </a:p>
@@ -2912,7 +2917,7 @@
           <a:p>
             <a:fld id="{03ED8F85-5BA2-4A5C-8FCF-775D2520EDF9}" type="datetimeFigureOut">
               <a:rPr lang="en-US" smtClean="0"/>
-              <a:t>5/6/2024</a:t>
+              <a:t>5/7/2024</a:t>
             </a:fld>
             <a:endParaRPr lang="en-US"/>
           </a:p>
@@ -3493,7 +3498,7 @@
                   <a:schemeClr val="bg1"/>
                 </a:solidFill>
               </a:rPr>
-              <a:t>Simplify making decision of giving credit to clients with out scoring software</a:t>
+              <a:t>Simplify making decision of giving credit to clients with our scoring software</a:t>
             </a:r>
           </a:p>
         </p:txBody>
@@ -3983,6 +3988,420 @@
   <p:clrMapOvr>
     <a:masterClrMapping/>
   </p:clrMapOvr>
+  <p:timing>
+    <p:tnLst>
+      <p:par>
+        <p:cTn id="1" dur="indefinite" restart="never" nodeType="tmRoot">
+          <p:childTnLst>
+            <p:seq concurrent="1" nextAc="seek">
+              <p:cTn id="2" dur="indefinite" nodeType="mainSeq">
+                <p:childTnLst>
+                  <p:par>
+                    <p:cTn id="3" fill="hold">
+                      <p:stCondLst>
+                        <p:cond delay="indefinite"/>
+                      </p:stCondLst>
+                      <p:childTnLst>
+                        <p:par>
+                          <p:cTn id="4" fill="hold">
+                            <p:stCondLst>
+                              <p:cond delay="0"/>
+                            </p:stCondLst>
+                            <p:childTnLst>
+                              <p:par>
+                                <p:cTn id="5" presetID="2" presetClass="entr" presetSubtype="4" fill="hold" grpId="0" nodeType="clickEffect">
+                                  <p:stCondLst>
+                                    <p:cond delay="0"/>
+                                  </p:stCondLst>
+                                  <p:childTnLst>
+                                    <p:set>
+                                      <p:cBhvr>
+                                        <p:cTn id="6" dur="1" fill="hold">
+                                          <p:stCondLst>
+                                            <p:cond delay="0"/>
+                                          </p:stCondLst>
+                                        </p:cTn>
+                                        <p:tgtEl>
+                                          <p:spTgt spid="6"/>
+                                        </p:tgtEl>
+                                        <p:attrNameLst>
+                                          <p:attrName>style.visibility</p:attrName>
+                                        </p:attrNameLst>
+                                      </p:cBhvr>
+                                      <p:to>
+                                        <p:strVal val="visible"/>
+                                      </p:to>
+                                    </p:set>
+                                    <p:anim calcmode="lin" valueType="num">
+                                      <p:cBhvr additive="base">
+                                        <p:cTn id="7" dur="500" fill="hold"/>
+                                        <p:tgtEl>
+                                          <p:spTgt spid="6"/>
+                                        </p:tgtEl>
+                                        <p:attrNameLst>
+                                          <p:attrName>ppt_x</p:attrName>
+                                        </p:attrNameLst>
+                                      </p:cBhvr>
+                                      <p:tavLst>
+                                        <p:tav tm="0">
+                                          <p:val>
+                                            <p:strVal val="#ppt_x"/>
+                                          </p:val>
+                                        </p:tav>
+                                        <p:tav tm="100000">
+                                          <p:val>
+                                            <p:strVal val="#ppt_x"/>
+                                          </p:val>
+                                        </p:tav>
+                                      </p:tavLst>
+                                    </p:anim>
+                                    <p:anim calcmode="lin" valueType="num">
+                                      <p:cBhvr additive="base">
+                                        <p:cTn id="8" dur="500" fill="hold"/>
+                                        <p:tgtEl>
+                                          <p:spTgt spid="6"/>
+                                        </p:tgtEl>
+                                        <p:attrNameLst>
+                                          <p:attrName>ppt_y</p:attrName>
+                                        </p:attrNameLst>
+                                      </p:cBhvr>
+                                      <p:tavLst>
+                                        <p:tav tm="0">
+                                          <p:val>
+                                            <p:strVal val="1+#ppt_h/2"/>
+                                          </p:val>
+                                        </p:tav>
+                                        <p:tav tm="100000">
+                                          <p:val>
+                                            <p:strVal val="#ppt_y"/>
+                                          </p:val>
+                                        </p:tav>
+                                      </p:tavLst>
+                                    </p:anim>
+                                  </p:childTnLst>
+                                </p:cTn>
+                              </p:par>
+                            </p:childTnLst>
+                          </p:cTn>
+                        </p:par>
+                      </p:childTnLst>
+                    </p:cTn>
+                  </p:par>
+                  <p:par>
+                    <p:cTn id="9" fill="hold">
+                      <p:stCondLst>
+                        <p:cond delay="indefinite"/>
+                      </p:stCondLst>
+                      <p:childTnLst>
+                        <p:par>
+                          <p:cTn id="10" fill="hold">
+                            <p:stCondLst>
+                              <p:cond delay="0"/>
+                            </p:stCondLst>
+                            <p:childTnLst>
+                              <p:par>
+                                <p:cTn id="11" presetID="2" presetClass="entr" presetSubtype="8" fill="hold" grpId="0" nodeType="clickEffect">
+                                  <p:stCondLst>
+                                    <p:cond delay="0"/>
+                                  </p:stCondLst>
+                                  <p:childTnLst>
+                                    <p:set>
+                                      <p:cBhvr>
+                                        <p:cTn id="12" dur="1" fill="hold">
+                                          <p:stCondLst>
+                                            <p:cond delay="0"/>
+                                          </p:stCondLst>
+                                        </p:cTn>
+                                        <p:tgtEl>
+                                          <p:spTgt spid="7"/>
+                                        </p:tgtEl>
+                                        <p:attrNameLst>
+                                          <p:attrName>style.visibility</p:attrName>
+                                        </p:attrNameLst>
+                                      </p:cBhvr>
+                                      <p:to>
+                                        <p:strVal val="visible"/>
+                                      </p:to>
+                                    </p:set>
+                                    <p:anim calcmode="lin" valueType="num">
+                                      <p:cBhvr additive="base">
+                                        <p:cTn id="13" dur="500" fill="hold"/>
+                                        <p:tgtEl>
+                                          <p:spTgt spid="7"/>
+                                        </p:tgtEl>
+                                        <p:attrNameLst>
+                                          <p:attrName>ppt_x</p:attrName>
+                                        </p:attrNameLst>
+                                      </p:cBhvr>
+                                      <p:tavLst>
+                                        <p:tav tm="0">
+                                          <p:val>
+                                            <p:strVal val="0-#ppt_w/2"/>
+                                          </p:val>
+                                        </p:tav>
+                                        <p:tav tm="100000">
+                                          <p:val>
+                                            <p:strVal val="#ppt_x"/>
+                                          </p:val>
+                                        </p:tav>
+                                      </p:tavLst>
+                                    </p:anim>
+                                    <p:anim calcmode="lin" valueType="num">
+                                      <p:cBhvr additive="base">
+                                        <p:cTn id="14" dur="500" fill="hold"/>
+                                        <p:tgtEl>
+                                          <p:spTgt spid="7"/>
+                                        </p:tgtEl>
+                                        <p:attrNameLst>
+                                          <p:attrName>ppt_y</p:attrName>
+                                        </p:attrNameLst>
+                                      </p:cBhvr>
+                                      <p:tavLst>
+                                        <p:tav tm="0">
+                                          <p:val>
+                                            <p:strVal val="#ppt_y"/>
+                                          </p:val>
+                                        </p:tav>
+                                        <p:tav tm="100000">
+                                          <p:val>
+                                            <p:strVal val="#ppt_y"/>
+                                          </p:val>
+                                        </p:tav>
+                                      </p:tavLst>
+                                    </p:anim>
+                                  </p:childTnLst>
+                                </p:cTn>
+                              </p:par>
+                            </p:childTnLst>
+                          </p:cTn>
+                        </p:par>
+                      </p:childTnLst>
+                    </p:cTn>
+                  </p:par>
+                  <p:par>
+                    <p:cTn id="15" fill="hold">
+                      <p:stCondLst>
+                        <p:cond delay="indefinite"/>
+                      </p:stCondLst>
+                      <p:childTnLst>
+                        <p:par>
+                          <p:cTn id="16" fill="hold">
+                            <p:stCondLst>
+                              <p:cond delay="0"/>
+                            </p:stCondLst>
+                            <p:childTnLst>
+                              <p:par>
+                                <p:cTn id="17" presetID="22" presetClass="entr" presetSubtype="1" fill="hold" nodeType="clickEffect">
+                                  <p:stCondLst>
+                                    <p:cond delay="0"/>
+                                  </p:stCondLst>
+                                  <p:childTnLst>
+                                    <p:set>
+                                      <p:cBhvr>
+                                        <p:cTn id="18" dur="1" fill="hold">
+                                          <p:stCondLst>
+                                            <p:cond delay="0"/>
+                                          </p:stCondLst>
+                                        </p:cTn>
+                                        <p:tgtEl>
+                                          <p:spTgt spid="4"/>
+                                        </p:tgtEl>
+                                        <p:attrNameLst>
+                                          <p:attrName>style.visibility</p:attrName>
+                                        </p:attrNameLst>
+                                      </p:cBhvr>
+                                      <p:to>
+                                        <p:strVal val="visible"/>
+                                      </p:to>
+                                    </p:set>
+                                    <p:animEffect transition="in" filter="wipe(up)">
+                                      <p:cBhvr>
+                                        <p:cTn id="19" dur="500"/>
+                                        <p:tgtEl>
+                                          <p:spTgt spid="4"/>
+                                        </p:tgtEl>
+                                      </p:cBhvr>
+                                    </p:animEffect>
+                                  </p:childTnLst>
+                                </p:cTn>
+                              </p:par>
+                            </p:childTnLst>
+                          </p:cTn>
+                        </p:par>
+                      </p:childTnLst>
+                    </p:cTn>
+                  </p:par>
+                  <p:par>
+                    <p:cTn id="20" fill="hold">
+                      <p:stCondLst>
+                        <p:cond delay="indefinite"/>
+                      </p:stCondLst>
+                      <p:childTnLst>
+                        <p:par>
+                          <p:cTn id="21" fill="hold">
+                            <p:stCondLst>
+                              <p:cond delay="0"/>
+                            </p:stCondLst>
+                            <p:childTnLst>
+                              <p:par>
+                                <p:cTn id="22" presetID="1" presetClass="entr" presetSubtype="0" fill="hold" grpId="0" nodeType="clickEffect">
+                                  <p:stCondLst>
+                                    <p:cond delay="0"/>
+                                  </p:stCondLst>
+                                  <p:childTnLst>
+                                    <p:set>
+                                      <p:cBhvr>
+                                        <p:cTn id="23" dur="1" fill="hold">
+                                          <p:stCondLst>
+                                            <p:cond delay="0"/>
+                                          </p:stCondLst>
+                                        </p:cTn>
+                                        <p:tgtEl>
+                                          <p:spTgt spid="2"/>
+                                        </p:tgtEl>
+                                        <p:attrNameLst>
+                                          <p:attrName>style.visibility</p:attrName>
+                                        </p:attrNameLst>
+                                      </p:cBhvr>
+                                      <p:to>
+                                        <p:strVal val="visible"/>
+                                      </p:to>
+                                    </p:set>
+                                  </p:childTnLst>
+                                </p:cTn>
+                              </p:par>
+                            </p:childTnLst>
+                          </p:cTn>
+                        </p:par>
+                      </p:childTnLst>
+                    </p:cTn>
+                  </p:par>
+                  <p:par>
+                    <p:cTn id="24" fill="hold">
+                      <p:stCondLst>
+                        <p:cond delay="indefinite"/>
+                      </p:stCondLst>
+                      <p:childTnLst>
+                        <p:par>
+                          <p:cTn id="25" fill="hold">
+                            <p:stCondLst>
+                              <p:cond delay="0"/>
+                            </p:stCondLst>
+                            <p:childTnLst>
+                              <p:par>
+                                <p:cTn id="26" presetID="22" presetClass="entr" presetSubtype="1" fill="hold" nodeType="clickEffect">
+                                  <p:stCondLst>
+                                    <p:cond delay="0"/>
+                                  </p:stCondLst>
+                                  <p:childTnLst>
+                                    <p:set>
+                                      <p:cBhvr>
+                                        <p:cTn id="27" dur="1" fill="hold">
+                                          <p:stCondLst>
+                                            <p:cond delay="0"/>
+                                          </p:stCondLst>
+                                        </p:cTn>
+                                        <p:tgtEl>
+                                          <p:spTgt spid="10"/>
+                                        </p:tgtEl>
+                                        <p:attrNameLst>
+                                          <p:attrName>style.visibility</p:attrName>
+                                        </p:attrNameLst>
+                                      </p:cBhvr>
+                                      <p:to>
+                                        <p:strVal val="visible"/>
+                                      </p:to>
+                                    </p:set>
+                                    <p:animEffect transition="in" filter="wipe(up)">
+                                      <p:cBhvr>
+                                        <p:cTn id="28" dur="500"/>
+                                        <p:tgtEl>
+                                          <p:spTgt spid="10"/>
+                                        </p:tgtEl>
+                                      </p:cBhvr>
+                                    </p:animEffect>
+                                  </p:childTnLst>
+                                </p:cTn>
+                              </p:par>
+                            </p:childTnLst>
+                          </p:cTn>
+                        </p:par>
+                      </p:childTnLst>
+                    </p:cTn>
+                  </p:par>
+                  <p:par>
+                    <p:cTn id="29" fill="hold">
+                      <p:stCondLst>
+                        <p:cond delay="indefinite"/>
+                      </p:stCondLst>
+                      <p:childTnLst>
+                        <p:par>
+                          <p:cTn id="30" fill="hold">
+                            <p:stCondLst>
+                              <p:cond delay="0"/>
+                            </p:stCondLst>
+                            <p:childTnLst>
+                              <p:par>
+                                <p:cTn id="31" presetID="1" presetClass="entr" presetSubtype="0" fill="hold" grpId="0" nodeType="clickEffect">
+                                  <p:stCondLst>
+                                    <p:cond delay="0"/>
+                                  </p:stCondLst>
+                                  <p:childTnLst>
+                                    <p:set>
+                                      <p:cBhvr>
+                                        <p:cTn id="32" dur="1" fill="hold">
+                                          <p:stCondLst>
+                                            <p:cond delay="0"/>
+                                          </p:stCondLst>
+                                        </p:cTn>
+                                        <p:tgtEl>
+                                          <p:spTgt spid="8"/>
+                                        </p:tgtEl>
+                                        <p:attrNameLst>
+                                          <p:attrName>style.visibility</p:attrName>
+                                        </p:attrNameLst>
+                                      </p:cBhvr>
+                                      <p:to>
+                                        <p:strVal val="visible"/>
+                                      </p:to>
+                                    </p:set>
+                                  </p:childTnLst>
+                                </p:cTn>
+                              </p:par>
+                            </p:childTnLst>
+                          </p:cTn>
+                        </p:par>
+                      </p:childTnLst>
+                    </p:cTn>
+                  </p:par>
+                </p:childTnLst>
+              </p:cTn>
+              <p:prevCondLst>
+                <p:cond evt="onPrev" delay="0">
+                  <p:tgtEl>
+                    <p:sldTgt/>
+                  </p:tgtEl>
+                </p:cond>
+              </p:prevCondLst>
+              <p:nextCondLst>
+                <p:cond evt="onNext" delay="0">
+                  <p:tgtEl>
+                    <p:sldTgt/>
+                  </p:tgtEl>
+                </p:cond>
+              </p:nextCondLst>
+            </p:seq>
+          </p:childTnLst>
+        </p:cTn>
+      </p:par>
+    </p:tnLst>
+    <p:bldLst>
+      <p:bldP spid="6" grpId="0"/>
+      <p:bldP spid="7" grpId="0"/>
+      <p:bldP spid="2" grpId="0"/>
+      <p:bldP spid="8" grpId="0"/>
+    </p:bldLst>
+  </p:timing>
 </p:sld>
 </file>
 
